--- a/pddon/演示文稿1.pptx
+++ b/pddon/演示文稿1.pptx
@@ -263,7 +263,7 @@
           <a:p>
             <a:fld id="{ECE97DBD-C5A1-4142-8E45-9AAC70B84D73}" type="datetimeFigureOut">
               <a:rPr kumimoji="1" lang="zh-CN" altLang="en-US" smtClean="0"/>
-              <a:t>2023/12/20</a:t>
+              <a:t>2024/1/18</a:t>
             </a:fld>
             <a:endParaRPr kumimoji="1" lang="zh-CN" altLang="en-US"/>
           </a:p>
@@ -461,7 +461,7 @@
           <a:p>
             <a:fld id="{ECE97DBD-C5A1-4142-8E45-9AAC70B84D73}" type="datetimeFigureOut">
               <a:rPr kumimoji="1" lang="zh-CN" altLang="en-US" smtClean="0"/>
-              <a:t>2023/12/20</a:t>
+              <a:t>2024/1/18</a:t>
             </a:fld>
             <a:endParaRPr kumimoji="1" lang="zh-CN" altLang="en-US"/>
           </a:p>
@@ -669,7 +669,7 @@
           <a:p>
             <a:fld id="{ECE97DBD-C5A1-4142-8E45-9AAC70B84D73}" type="datetimeFigureOut">
               <a:rPr kumimoji="1" lang="zh-CN" altLang="en-US" smtClean="0"/>
-              <a:t>2023/12/20</a:t>
+              <a:t>2024/1/18</a:t>
             </a:fld>
             <a:endParaRPr kumimoji="1" lang="zh-CN" altLang="en-US"/>
           </a:p>
@@ -867,7 +867,7 @@
           <a:p>
             <a:fld id="{ECE97DBD-C5A1-4142-8E45-9AAC70B84D73}" type="datetimeFigureOut">
               <a:rPr kumimoji="1" lang="zh-CN" altLang="en-US" smtClean="0"/>
-              <a:t>2023/12/20</a:t>
+              <a:t>2024/1/18</a:t>
             </a:fld>
             <a:endParaRPr kumimoji="1" lang="zh-CN" altLang="en-US"/>
           </a:p>
@@ -1142,7 +1142,7 @@
           <a:p>
             <a:fld id="{ECE97DBD-C5A1-4142-8E45-9AAC70B84D73}" type="datetimeFigureOut">
               <a:rPr kumimoji="1" lang="zh-CN" altLang="en-US" smtClean="0"/>
-              <a:t>2023/12/20</a:t>
+              <a:t>2024/1/18</a:t>
             </a:fld>
             <a:endParaRPr kumimoji="1" lang="zh-CN" altLang="en-US"/>
           </a:p>
@@ -1407,7 +1407,7 @@
           <a:p>
             <a:fld id="{ECE97DBD-C5A1-4142-8E45-9AAC70B84D73}" type="datetimeFigureOut">
               <a:rPr kumimoji="1" lang="zh-CN" altLang="en-US" smtClean="0"/>
-              <a:t>2023/12/20</a:t>
+              <a:t>2024/1/18</a:t>
             </a:fld>
             <a:endParaRPr kumimoji="1" lang="zh-CN" altLang="en-US"/>
           </a:p>
@@ -1819,7 +1819,7 @@
           <a:p>
             <a:fld id="{ECE97DBD-C5A1-4142-8E45-9AAC70B84D73}" type="datetimeFigureOut">
               <a:rPr kumimoji="1" lang="zh-CN" altLang="en-US" smtClean="0"/>
-              <a:t>2023/12/20</a:t>
+              <a:t>2024/1/18</a:t>
             </a:fld>
             <a:endParaRPr kumimoji="1" lang="zh-CN" altLang="en-US"/>
           </a:p>
@@ -1960,7 +1960,7 @@
           <a:p>
             <a:fld id="{ECE97DBD-C5A1-4142-8E45-9AAC70B84D73}" type="datetimeFigureOut">
               <a:rPr kumimoji="1" lang="zh-CN" altLang="en-US" smtClean="0"/>
-              <a:t>2023/12/20</a:t>
+              <a:t>2024/1/18</a:t>
             </a:fld>
             <a:endParaRPr kumimoji="1" lang="zh-CN" altLang="en-US"/>
           </a:p>
@@ -2073,7 +2073,7 @@
           <a:p>
             <a:fld id="{ECE97DBD-C5A1-4142-8E45-9AAC70B84D73}" type="datetimeFigureOut">
               <a:rPr kumimoji="1" lang="zh-CN" altLang="en-US" smtClean="0"/>
-              <a:t>2023/12/20</a:t>
+              <a:t>2024/1/18</a:t>
             </a:fld>
             <a:endParaRPr kumimoji="1" lang="zh-CN" altLang="en-US"/>
           </a:p>
@@ -2384,7 +2384,7 @@
           <a:p>
             <a:fld id="{ECE97DBD-C5A1-4142-8E45-9AAC70B84D73}" type="datetimeFigureOut">
               <a:rPr kumimoji="1" lang="zh-CN" altLang="en-US" smtClean="0"/>
-              <a:t>2023/12/20</a:t>
+              <a:t>2024/1/18</a:t>
             </a:fld>
             <a:endParaRPr kumimoji="1" lang="zh-CN" altLang="en-US"/>
           </a:p>
@@ -2672,7 +2672,7 @@
           <a:p>
             <a:fld id="{ECE97DBD-C5A1-4142-8E45-9AAC70B84D73}" type="datetimeFigureOut">
               <a:rPr kumimoji="1" lang="zh-CN" altLang="en-US" smtClean="0"/>
-              <a:t>2023/12/20</a:t>
+              <a:t>2024/1/18</a:t>
             </a:fld>
             <a:endParaRPr kumimoji="1" lang="zh-CN" altLang="en-US"/>
           </a:p>
@@ -2913,7 +2913,7 @@
           <a:p>
             <a:fld id="{ECE97DBD-C5A1-4142-8E45-9AAC70B84D73}" type="datetimeFigureOut">
               <a:rPr kumimoji="1" lang="zh-CN" altLang="en-US" smtClean="0"/>
-              <a:t>2023/12/20</a:t>
+              <a:t>2024/1/18</a:t>
             </a:fld>
             <a:endParaRPr kumimoji="1" lang="zh-CN" altLang="en-US"/>
           </a:p>
@@ -3811,10 +3811,10 @@
       </p:pic>
       <p:pic>
         <p:nvPicPr>
-          <p:cNvPr id="1030" name="Picture 6">
-            <a:extLst>
-              <a:ext uri="{FF2B5EF4-FFF2-40B4-BE49-F238E27FC236}">
-                <a16:creationId xmlns:a16="http://schemas.microsoft.com/office/drawing/2014/main" id="{75463614-9DA8-1FC5-D4F9-C4AE0CE9D4CB}"/>
+          <p:cNvPr id="1026" name="Picture 2">
+            <a:extLst>
+              <a:ext uri="{FF2B5EF4-FFF2-40B4-BE49-F238E27FC236}">
+                <a16:creationId xmlns:a16="http://schemas.microsoft.com/office/drawing/2014/main" id="{7634FBBD-7886-194D-81C2-F991900D2A09}"/>
               </a:ext>
             </a:extLst>
           </p:cNvPr>
@@ -3838,8 +3838,102 @@
         </p:blipFill>
         <p:spPr bwMode="auto">
           <a:xfrm>
-            <a:off x="8705850" y="1397000"/>
-            <a:ext cx="2349500" cy="762000"/>
+            <a:off x="6875603" y="287438"/>
+            <a:ext cx="5524500" cy="1676400"/>
+          </a:xfrm>
+          <a:prstGeom prst="rect">
+            <a:avLst/>
+          </a:prstGeom>
+          <a:noFill/>
+          <a:extLst>
+            <a:ext uri="{909E8E84-426E-40DD-AFC4-6F175D3DCCD1}">
+              <a14:hiddenFill xmlns:a14="http://schemas.microsoft.com/office/drawing/2010/main">
+                <a:solidFill>
+                  <a:srgbClr val="FFFFFF"/>
+                </a:solidFill>
+              </a14:hiddenFill>
+            </a:ext>
+          </a:extLst>
+        </p:spPr>
+      </p:pic>
+      <p:pic>
+        <p:nvPicPr>
+          <p:cNvPr id="2" name="Picture 4">
+            <a:extLst>
+              <a:ext uri="{FF2B5EF4-FFF2-40B4-BE49-F238E27FC236}">
+                <a16:creationId xmlns:a16="http://schemas.microsoft.com/office/drawing/2014/main" id="{0583EF35-0012-4E49-9EF0-042A4F1CF332}"/>
+              </a:ext>
+            </a:extLst>
+          </p:cNvPr>
+          <p:cNvPicPr>
+            <a:picLocks noChangeAspect="1" noChangeArrowheads="1"/>
+          </p:cNvPicPr>
+          <p:nvPr/>
+        </p:nvPicPr>
+        <p:blipFill>
+          <a:blip r:embed="rId4">
+            <a:extLst>
+              <a:ext uri="{28A0092B-C50C-407E-A947-70E740481C1C}">
+                <a14:useLocalDpi xmlns:a14="http://schemas.microsoft.com/office/drawing/2010/main" val="0"/>
+              </a:ext>
+            </a:extLst>
+          </a:blip>
+          <a:srcRect/>
+          <a:stretch>
+            <a:fillRect/>
+          </a:stretch>
+        </p:blipFill>
+        <p:spPr bwMode="auto">
+          <a:xfrm>
+            <a:off x="1805087" y="5154431"/>
+            <a:ext cx="7632700" cy="1549400"/>
+          </a:xfrm>
+          <a:prstGeom prst="rect">
+            <a:avLst/>
+          </a:prstGeom>
+          <a:noFill/>
+          <a:extLst>
+            <a:ext uri="{909E8E84-426E-40DD-AFC4-6F175D3DCCD1}">
+              <a14:hiddenFill xmlns:a14="http://schemas.microsoft.com/office/drawing/2010/main">
+                <a:solidFill>
+                  <a:srgbClr val="FFFFFF"/>
+                </a:solidFill>
+              </a14:hiddenFill>
+            </a:ext>
+          </a:extLst>
+        </p:spPr>
+      </p:pic>
+      <p:pic>
+        <p:nvPicPr>
+          <p:cNvPr id="4" name="Picture 4">
+            <a:extLst>
+              <a:ext uri="{FF2B5EF4-FFF2-40B4-BE49-F238E27FC236}">
+                <a16:creationId xmlns:a16="http://schemas.microsoft.com/office/drawing/2014/main" id="{00291374-9DF7-C363-44EF-6B8F9540FD24}"/>
+              </a:ext>
+            </a:extLst>
+          </p:cNvPr>
+          <p:cNvPicPr>
+            <a:picLocks noChangeAspect="1" noChangeArrowheads="1"/>
+          </p:cNvPicPr>
+          <p:nvPr/>
+        </p:nvPicPr>
+        <p:blipFill>
+          <a:blip r:embed="rId5">
+            <a:extLst>
+              <a:ext uri="{28A0092B-C50C-407E-A947-70E740481C1C}">
+                <a14:useLocalDpi xmlns:a14="http://schemas.microsoft.com/office/drawing/2010/main" val="0"/>
+              </a:ext>
+            </a:extLst>
+          </a:blip>
+          <a:srcRect/>
+          <a:stretch>
+            <a:fillRect/>
+          </a:stretch>
+        </p:blipFill>
+        <p:spPr bwMode="auto">
+          <a:xfrm>
+            <a:off x="592479" y="446791"/>
+            <a:ext cx="5219700" cy="1841500"/>
           </a:xfrm>
           <a:prstGeom prst="rect">
             <a:avLst/>
